--- a/Hello Whirled.pptx
+++ b/Hello Whirled.pptx
@@ -15,6 +15,9 @@
     <p:sldId id="262" r:id="rId9"/>
     <p:sldId id="263" r:id="rId10"/>
     <p:sldId id="264" r:id="rId11"/>
+    <p:sldId id="266" r:id="rId12"/>
+    <p:sldId id="267" r:id="rId13"/>
+    <p:sldId id="268" r:id="rId14"/>
   </p:sldIdLst>
   <p:sldSz cx="12192000" cy="6858000"/>
   <p:notesSz cx="6858000" cy="9144000"/>
@@ -452,7 +455,7 @@
           <a:p>
             <a:fld id="{0C9085D8-BAC1-4391-8C1B-065E4C7BA32E}" type="datetimeFigureOut">
               <a:rPr lang="en-US" smtClean="0"/>
-              <a:t>11/8/2016</a:t>
+              <a:t>11/12/2016</a:t>
             </a:fld>
             <a:endParaRPr lang="en-US"/>
           </a:p>
@@ -776,7 +779,7 @@
           <a:p>
             <a:fld id="{0C9085D8-BAC1-4391-8C1B-065E4C7BA32E}" type="datetimeFigureOut">
               <a:rPr lang="en-US" smtClean="0"/>
-              <a:t>11/8/2016</a:t>
+              <a:t>11/12/2016</a:t>
             </a:fld>
             <a:endParaRPr lang="en-US"/>
           </a:p>
@@ -1024,7 +1027,7 @@
           <a:p>
             <a:fld id="{0C9085D8-BAC1-4391-8C1B-065E4C7BA32E}" type="datetimeFigureOut">
               <a:rPr lang="en-US" smtClean="0"/>
-              <a:t>11/8/2016</a:t>
+              <a:t>11/12/2016</a:t>
             </a:fld>
             <a:endParaRPr lang="en-US"/>
           </a:p>
@@ -1363,7 +1366,7 @@
           <a:p>
             <a:fld id="{0C9085D8-BAC1-4391-8C1B-065E4C7BA32E}" type="datetimeFigureOut">
               <a:rPr lang="en-US" smtClean="0"/>
-              <a:t>11/8/2016</a:t>
+              <a:t>11/12/2016</a:t>
             </a:fld>
             <a:endParaRPr lang="en-US"/>
           </a:p>
@@ -1710,7 +1713,7 @@
           <a:p>
             <a:fld id="{0C9085D8-BAC1-4391-8C1B-065E4C7BA32E}" type="datetimeFigureOut">
               <a:rPr lang="en-US" smtClean="0"/>
-              <a:t>11/8/2016</a:t>
+              <a:t>11/12/2016</a:t>
             </a:fld>
             <a:endParaRPr lang="en-US"/>
           </a:p>
@@ -2084,7 +2087,7 @@
           <a:p>
             <a:fld id="{0C9085D8-BAC1-4391-8C1B-065E4C7BA32E}" type="datetimeFigureOut">
               <a:rPr lang="en-US" smtClean="0"/>
-              <a:t>11/8/2016</a:t>
+              <a:t>11/12/2016</a:t>
             </a:fld>
             <a:endParaRPr lang="en-US"/>
           </a:p>
@@ -2554,7 +2557,7 @@
           <a:p>
             <a:fld id="{0C9085D8-BAC1-4391-8C1B-065E4C7BA32E}" type="datetimeFigureOut">
               <a:rPr lang="en-US" smtClean="0"/>
-              <a:t>11/8/2016</a:t>
+              <a:t>11/12/2016</a:t>
             </a:fld>
             <a:endParaRPr lang="en-US"/>
           </a:p>
@@ -2759,7 +2762,7 @@
           <a:p>
             <a:fld id="{0C9085D8-BAC1-4391-8C1B-065E4C7BA32E}" type="datetimeFigureOut">
               <a:rPr lang="en-US" smtClean="0"/>
-              <a:t>11/8/2016</a:t>
+              <a:t>11/12/2016</a:t>
             </a:fld>
             <a:endParaRPr lang="en-US"/>
           </a:p>
@@ -2970,7 +2973,7 @@
           <a:p>
             <a:fld id="{0C9085D8-BAC1-4391-8C1B-065E4C7BA32E}" type="datetimeFigureOut">
               <a:rPr lang="en-US" smtClean="0"/>
-              <a:t>11/8/2016</a:t>
+              <a:t>11/12/2016</a:t>
             </a:fld>
             <a:endParaRPr lang="en-US"/>
           </a:p>
@@ -3202,7 +3205,7 @@
           <a:p>
             <a:fld id="{0C9085D8-BAC1-4391-8C1B-065E4C7BA32E}" type="datetimeFigureOut">
               <a:rPr lang="en-US" smtClean="0"/>
-              <a:t>11/8/2016</a:t>
+              <a:t>11/12/2016</a:t>
             </a:fld>
             <a:endParaRPr lang="en-US"/>
           </a:p>
@@ -3450,7 +3453,7 @@
           <a:p>
             <a:fld id="{0C9085D8-BAC1-4391-8C1B-065E4C7BA32E}" type="datetimeFigureOut">
               <a:rPr lang="en-US" smtClean="0"/>
-              <a:t>11/8/2016</a:t>
+              <a:t>11/12/2016</a:t>
             </a:fld>
             <a:endParaRPr lang="en-US"/>
           </a:p>
@@ -3748,7 +3751,7 @@
           <a:p>
             <a:fld id="{0C9085D8-BAC1-4391-8C1B-065E4C7BA32E}" type="datetimeFigureOut">
               <a:rPr lang="en-US" smtClean="0"/>
-              <a:t>11/8/2016</a:t>
+              <a:t>11/12/2016</a:t>
             </a:fld>
             <a:endParaRPr lang="en-US"/>
           </a:p>
@@ -4142,7 +4145,7 @@
           <a:p>
             <a:fld id="{0C9085D8-BAC1-4391-8C1B-065E4C7BA32E}" type="datetimeFigureOut">
               <a:rPr lang="en-US" smtClean="0"/>
-              <a:t>11/8/2016</a:t>
+              <a:t>11/12/2016</a:t>
             </a:fld>
             <a:endParaRPr lang="en-US"/>
           </a:p>
@@ -4291,7 +4294,7 @@
           <a:p>
             <a:fld id="{0C9085D8-BAC1-4391-8C1B-065E4C7BA32E}" type="datetimeFigureOut">
               <a:rPr lang="en-US" smtClean="0"/>
-              <a:t>11/8/2016</a:t>
+              <a:t>11/12/2016</a:t>
             </a:fld>
             <a:endParaRPr lang="en-US"/>
           </a:p>
@@ -4417,7 +4420,7 @@
           <a:p>
             <a:fld id="{0C9085D8-BAC1-4391-8C1B-065E4C7BA32E}" type="datetimeFigureOut">
               <a:rPr lang="en-US" smtClean="0"/>
-              <a:t>11/8/2016</a:t>
+              <a:t>11/12/2016</a:t>
             </a:fld>
             <a:endParaRPr lang="en-US"/>
           </a:p>
@@ -4672,7 +4675,7 @@
           <a:p>
             <a:fld id="{0C9085D8-BAC1-4391-8C1B-065E4C7BA32E}" type="datetimeFigureOut">
               <a:rPr lang="en-US" smtClean="0"/>
-              <a:t>11/8/2016</a:t>
+              <a:t>11/12/2016</a:t>
             </a:fld>
             <a:endParaRPr lang="en-US"/>
           </a:p>
@@ -4987,7 +4990,7 @@
           <a:p>
             <a:fld id="{0C9085D8-BAC1-4391-8C1B-065E4C7BA32E}" type="datetimeFigureOut">
               <a:rPr lang="en-US" smtClean="0"/>
-              <a:t>11/8/2016</a:t>
+              <a:t>11/12/2016</a:t>
             </a:fld>
             <a:endParaRPr lang="en-US"/>
           </a:p>
@@ -5338,7 +5341,7 @@
           <a:p>
             <a:fld id="{0C9085D8-BAC1-4391-8C1B-065E4C7BA32E}" type="datetimeFigureOut">
               <a:rPr lang="en-US" smtClean="0"/>
-              <a:t>11/8/2016</a:t>
+              <a:t>11/12/2016</a:t>
             </a:fld>
             <a:endParaRPr lang="en-US"/>
           </a:p>
@@ -6258,6 +6261,692 @@
 </p:sld>
 </file>
 
+<file path=ppt/slides/slide11.xml><?xml version="1.0" encoding="utf-8"?>
+<p:sld xmlns:a="http://schemas.openxmlformats.org/drawingml/2006/main" xmlns:r="http://schemas.openxmlformats.org/officeDocument/2006/relationships" xmlns:p="http://schemas.openxmlformats.org/presentationml/2006/main">
+  <p:cSld>
+    <p:spTree>
+      <p:nvGrpSpPr>
+        <p:cNvPr id="1" name=""/>
+        <p:cNvGrpSpPr/>
+        <p:nvPr/>
+      </p:nvGrpSpPr>
+      <p:grpSpPr>
+        <a:xfrm>
+          <a:off x="0" y="0"/>
+          <a:ext cx="0" cy="0"/>
+          <a:chOff x="0" y="0"/>
+          <a:chExt cx="0" cy="0"/>
+        </a:xfrm>
+      </p:grpSpPr>
+      <p:sp>
+        <p:nvSpPr>
+          <p:cNvPr id="2" name="TextBox 1"/>
+          <p:cNvSpPr txBox="1"/>
+          <p:nvPr/>
+        </p:nvSpPr>
+        <p:spPr>
+          <a:xfrm>
+            <a:off x="861237" y="861237"/>
+            <a:ext cx="3964996" cy="5355312"/>
+          </a:xfrm>
+          <a:prstGeom prst="rect">
+            <a:avLst/>
+          </a:prstGeom>
+          <a:noFill/>
+        </p:spPr>
+        <p:txBody>
+          <a:bodyPr wrap="none" rtlCol="0">
+            <a:spAutoFit/>
+          </a:bodyPr>
+          <a:lstStyle/>
+          <a:p>
+            <a:r>
+              <a:rPr lang="en-US" b="1" dirty="0"/>
+              <a:t>package </a:t>
+            </a:r>
+            <a:r>
+              <a:rPr lang="en-US" b="1" dirty="0" err="1"/>
+              <a:t>RobotDrive</a:t>
+            </a:r>
+            <a:r>
+              <a:rPr lang="en-US" b="1" dirty="0"/>
+              <a:t>;</a:t>
+            </a:r>
+          </a:p>
+          <a:p>
+            <a:endParaRPr lang="en-US" dirty="0"/>
+          </a:p>
+          <a:p>
+            <a:r>
+              <a:rPr lang="en-US" b="1" dirty="0"/>
+              <a:t>public class Motor {</a:t>
+            </a:r>
+          </a:p>
+          <a:p>
+            <a:endParaRPr lang="en-US" dirty="0"/>
+          </a:p>
+          <a:p>
+            <a:r>
+              <a:rPr lang="en-US" b="1" dirty="0"/>
+              <a:t>private double </a:t>
+            </a:r>
+            <a:r>
+              <a:rPr lang="en-US" b="1" dirty="0" err="1"/>
+              <a:t>m_dSpeed</a:t>
+            </a:r>
+            <a:r>
+              <a:rPr lang="en-US" b="1" dirty="0"/>
+              <a:t>;</a:t>
+            </a:r>
+          </a:p>
+          <a:p>
+            <a:endParaRPr lang="en-US" dirty="0"/>
+          </a:p>
+          <a:p>
+            <a:r>
+              <a:rPr lang="en-US" b="1" dirty="0"/>
+              <a:t>public void </a:t>
+            </a:r>
+            <a:r>
+              <a:rPr lang="en-US" b="1" dirty="0" err="1"/>
+              <a:t>setSpeed</a:t>
+            </a:r>
+            <a:r>
+              <a:rPr lang="en-US" b="1" dirty="0"/>
+              <a:t>(double </a:t>
+            </a:r>
+            <a:r>
+              <a:rPr lang="en-US" b="1" dirty="0" err="1"/>
+              <a:t>dSpeed</a:t>
+            </a:r>
+            <a:r>
+              <a:rPr lang="en-US" b="1" dirty="0"/>
+              <a:t>) {</a:t>
+            </a:r>
+          </a:p>
+          <a:p>
+            <a:endParaRPr lang="en-US" dirty="0"/>
+          </a:p>
+          <a:p>
+            <a:r>
+              <a:rPr lang="en-US" dirty="0" err="1"/>
+              <a:t>m_dSpeed</a:t>
+            </a:r>
+            <a:r>
+              <a:rPr lang="en-US" dirty="0"/>
+              <a:t> = </a:t>
+            </a:r>
+            <a:r>
+              <a:rPr lang="en-US" dirty="0" err="1"/>
+              <a:t>dSpeed</a:t>
+            </a:r>
+            <a:r>
+              <a:rPr lang="en-US" dirty="0"/>
+              <a:t>;</a:t>
+            </a:r>
+          </a:p>
+          <a:p>
+            <a:endParaRPr lang="en-US" dirty="0"/>
+          </a:p>
+          <a:p>
+            <a:r>
+              <a:rPr lang="en-US" dirty="0"/>
+              <a:t>}</a:t>
+            </a:r>
+          </a:p>
+          <a:p>
+            <a:endParaRPr lang="en-US" dirty="0"/>
+          </a:p>
+          <a:p>
+            <a:r>
+              <a:rPr lang="en-US" b="1" dirty="0"/>
+              <a:t>public double </a:t>
+            </a:r>
+            <a:r>
+              <a:rPr lang="en-US" b="1" dirty="0" err="1"/>
+              <a:t>getSpeed</a:t>
+            </a:r>
+            <a:r>
+              <a:rPr lang="en-US" b="1" dirty="0"/>
+              <a:t>() {</a:t>
+            </a:r>
+          </a:p>
+          <a:p>
+            <a:endParaRPr lang="en-US" dirty="0"/>
+          </a:p>
+          <a:p>
+            <a:r>
+              <a:rPr lang="en-US" b="1" dirty="0"/>
+              <a:t>return </a:t>
+            </a:r>
+            <a:r>
+              <a:rPr lang="en-US" b="1" dirty="0" err="1"/>
+              <a:t>m_dSpeed</a:t>
+            </a:r>
+            <a:r>
+              <a:rPr lang="en-US" b="1" dirty="0"/>
+              <a:t>;</a:t>
+            </a:r>
+          </a:p>
+          <a:p>
+            <a:endParaRPr lang="en-US" dirty="0"/>
+          </a:p>
+          <a:p>
+            <a:r>
+              <a:rPr lang="en-US" dirty="0"/>
+              <a:t>}</a:t>
+            </a:r>
+          </a:p>
+          <a:p>
+            <a:endParaRPr lang="en-US" dirty="0"/>
+          </a:p>
+          <a:p>
+            <a:r>
+              <a:rPr lang="en-US" dirty="0"/>
+              <a:t>}</a:t>
+            </a:r>
+            <a:endParaRPr lang="en-US" dirty="0"/>
+          </a:p>
+        </p:txBody>
+      </p:sp>
+    </p:spTree>
+    <p:extLst>
+      <p:ext uri="{BB962C8B-B14F-4D97-AF65-F5344CB8AC3E}">
+        <p14:creationId xmlns:p14="http://schemas.microsoft.com/office/powerpoint/2010/main" val="1886180040"/>
+      </p:ext>
+    </p:extLst>
+  </p:cSld>
+  <p:clrMapOvr>
+    <a:masterClrMapping/>
+  </p:clrMapOvr>
+</p:sld>
+</file>
+
+<file path=ppt/slides/slide12.xml><?xml version="1.0" encoding="utf-8"?>
+<p:sld xmlns:a="http://schemas.openxmlformats.org/drawingml/2006/main" xmlns:r="http://schemas.openxmlformats.org/officeDocument/2006/relationships" xmlns:p="http://schemas.openxmlformats.org/presentationml/2006/main">
+  <p:cSld>
+    <p:spTree>
+      <p:nvGrpSpPr>
+        <p:cNvPr id="1" name=""/>
+        <p:cNvGrpSpPr/>
+        <p:nvPr/>
+      </p:nvGrpSpPr>
+      <p:grpSpPr>
+        <a:xfrm>
+          <a:off x="0" y="0"/>
+          <a:ext cx="0" cy="0"/>
+          <a:chOff x="0" y="0"/>
+          <a:chExt cx="0" cy="0"/>
+        </a:xfrm>
+      </p:grpSpPr>
+      <p:sp>
+        <p:nvSpPr>
+          <p:cNvPr id="2" name="TextBox 1"/>
+          <p:cNvSpPr txBox="1"/>
+          <p:nvPr/>
+        </p:nvSpPr>
+        <p:spPr>
+          <a:xfrm>
+            <a:off x="956930" y="701748"/>
+            <a:ext cx="4149213" cy="5509200"/>
+          </a:xfrm>
+          <a:prstGeom prst="rect">
+            <a:avLst/>
+          </a:prstGeom>
+          <a:noFill/>
+        </p:spPr>
+        <p:txBody>
+          <a:bodyPr wrap="none" rtlCol="0">
+            <a:spAutoFit/>
+          </a:bodyPr>
+          <a:lstStyle/>
+          <a:p>
+            <a:r>
+              <a:rPr lang="en-US" sz="1600" b="1" dirty="0"/>
+              <a:t>package </a:t>
+            </a:r>
+            <a:r>
+              <a:rPr lang="en-US" sz="1600" b="1" dirty="0" err="1"/>
+              <a:t>RobotDrive</a:t>
+            </a:r>
+            <a:r>
+              <a:rPr lang="en-US" sz="1600" b="1" dirty="0"/>
+              <a:t>;</a:t>
+            </a:r>
+          </a:p>
+          <a:p>
+            <a:endParaRPr lang="en-US" sz="1600" dirty="0"/>
+          </a:p>
+          <a:p>
+            <a:r>
+              <a:rPr lang="en-US" sz="1600" b="1" dirty="0"/>
+              <a:t>import </a:t>
+            </a:r>
+            <a:r>
+              <a:rPr lang="en-US" sz="1600" b="1" dirty="0" err="1"/>
+              <a:t>PrintSystem</a:t>
+            </a:r>
+            <a:r>
+              <a:rPr lang="en-US" sz="1600" b="1" dirty="0"/>
+              <a:t>.*;</a:t>
+            </a:r>
+          </a:p>
+          <a:p>
+            <a:endParaRPr lang="en-US" sz="1600" dirty="0"/>
+          </a:p>
+          <a:p>
+            <a:r>
+              <a:rPr lang="en-US" sz="1600" b="1" dirty="0"/>
+              <a:t>public class Drive {</a:t>
+            </a:r>
+          </a:p>
+          <a:p>
+            <a:endParaRPr lang="en-US" sz="1600" dirty="0"/>
+          </a:p>
+          <a:p>
+            <a:r>
+              <a:rPr lang="en-US" sz="1600" b="1" dirty="0"/>
+              <a:t>private Motor m1;</a:t>
+            </a:r>
+          </a:p>
+          <a:p>
+            <a:r>
+              <a:rPr lang="en-US" sz="1600" b="1" dirty="0"/>
+              <a:t>private Motor </a:t>
+            </a:r>
+            <a:r>
+              <a:rPr lang="en-US" sz="1600" b="1" u="sng" dirty="0"/>
+              <a:t>m2;</a:t>
+            </a:r>
+          </a:p>
+          <a:p>
+            <a:r>
+              <a:rPr lang="en-US" sz="1600" b="1" dirty="0"/>
+              <a:t>private Motor </a:t>
+            </a:r>
+            <a:r>
+              <a:rPr lang="en-US" sz="1600" b="1" u="sng" dirty="0"/>
+              <a:t>m3;</a:t>
+            </a:r>
+          </a:p>
+          <a:p>
+            <a:r>
+              <a:rPr lang="en-US" sz="1600" b="1" dirty="0"/>
+              <a:t>private Motor </a:t>
+            </a:r>
+            <a:r>
+              <a:rPr lang="en-US" sz="1600" b="1" u="sng" dirty="0"/>
+              <a:t>m4;</a:t>
+            </a:r>
+          </a:p>
+          <a:p>
+            <a:r>
+              <a:rPr lang="en-US" sz="1600" b="1" dirty="0"/>
+              <a:t>private </a:t>
+            </a:r>
+            <a:r>
+              <a:rPr lang="en-US" sz="1600" b="1" dirty="0" err="1"/>
+              <a:t>PrintStuff</a:t>
+            </a:r>
+            <a:r>
+              <a:rPr lang="en-US" sz="1600" b="1" dirty="0"/>
+              <a:t> </a:t>
+            </a:r>
+            <a:r>
+              <a:rPr lang="en-US" sz="1600" b="1" dirty="0" err="1"/>
+              <a:t>motorPrint</a:t>
+            </a:r>
+            <a:r>
+              <a:rPr lang="en-US" sz="1600" b="1" dirty="0"/>
+              <a:t>;</a:t>
+            </a:r>
+          </a:p>
+          <a:p>
+            <a:endParaRPr lang="en-US" sz="1600" dirty="0"/>
+          </a:p>
+          <a:p>
+            <a:r>
+              <a:rPr lang="en-US" sz="1600" b="1" dirty="0"/>
+              <a:t>public void </a:t>
+            </a:r>
+            <a:r>
+              <a:rPr lang="en-US" sz="1600" b="1" dirty="0" err="1"/>
+              <a:t>moveDrive</a:t>
+            </a:r>
+            <a:r>
+              <a:rPr lang="en-US" sz="1600" b="1" dirty="0"/>
+              <a:t>() {</a:t>
+            </a:r>
+          </a:p>
+          <a:p>
+            <a:endParaRPr lang="en-US" sz="1600" dirty="0"/>
+          </a:p>
+          <a:p>
+            <a:r>
+              <a:rPr lang="en-US" sz="1600" dirty="0"/>
+              <a:t>m1 = </a:t>
+            </a:r>
+            <a:r>
+              <a:rPr lang="en-US" sz="1600" b="1" dirty="0"/>
+              <a:t>new Motor();</a:t>
+            </a:r>
+          </a:p>
+          <a:p>
+            <a:r>
+              <a:rPr lang="en-US" sz="1600" dirty="0" err="1"/>
+              <a:t>motorPrint</a:t>
+            </a:r>
+            <a:r>
+              <a:rPr lang="en-US" sz="1600" dirty="0"/>
+              <a:t> = </a:t>
+            </a:r>
+            <a:r>
+              <a:rPr lang="en-US" sz="1600" b="1" dirty="0"/>
+              <a:t>new </a:t>
+            </a:r>
+            <a:r>
+              <a:rPr lang="en-US" sz="1600" b="1" dirty="0" err="1"/>
+              <a:t>PrintStuff</a:t>
+            </a:r>
+            <a:r>
+              <a:rPr lang="en-US" sz="1600" b="1" dirty="0"/>
+              <a:t>();</a:t>
+            </a:r>
+          </a:p>
+          <a:p>
+            <a:r>
+              <a:rPr lang="en-US" sz="1600" dirty="0"/>
+              <a:t>m1.setSpeed(-0.45);</a:t>
+            </a:r>
+          </a:p>
+          <a:p>
+            <a:r>
+              <a:rPr lang="en-US" sz="1600" b="1" dirty="0"/>
+              <a:t>double </a:t>
+            </a:r>
+            <a:r>
+              <a:rPr lang="en-US" sz="1600" b="1" dirty="0" err="1"/>
+              <a:t>dSpeed</a:t>
+            </a:r>
+            <a:r>
+              <a:rPr lang="en-US" sz="1600" b="1" dirty="0"/>
+              <a:t> = m1.getSpeed();</a:t>
+            </a:r>
+          </a:p>
+          <a:p>
+            <a:r>
+              <a:rPr lang="en-US" sz="1600" dirty="0" err="1"/>
+              <a:t>motorPrint.printLine</a:t>
+            </a:r>
+            <a:r>
+              <a:rPr lang="en-US" sz="1600" dirty="0"/>
+              <a:t>("Current Speed" + </a:t>
+            </a:r>
+            <a:r>
+              <a:rPr lang="en-US" sz="1600" dirty="0" err="1"/>
+              <a:t>dSpeed</a:t>
+            </a:r>
+            <a:r>
+              <a:rPr lang="en-US" sz="1600" dirty="0"/>
+              <a:t>);</a:t>
+            </a:r>
+          </a:p>
+          <a:p>
+            <a:endParaRPr lang="en-US" sz="1600" dirty="0"/>
+          </a:p>
+          <a:p>
+            <a:r>
+              <a:rPr lang="en-US" sz="1600" dirty="0"/>
+              <a:t>}</a:t>
+            </a:r>
+          </a:p>
+          <a:p>
+            <a:r>
+              <a:rPr lang="en-US" sz="1600" dirty="0"/>
+              <a:t>}</a:t>
+            </a:r>
+          </a:p>
+        </p:txBody>
+      </p:sp>
+    </p:spTree>
+    <p:extLst>
+      <p:ext uri="{BB962C8B-B14F-4D97-AF65-F5344CB8AC3E}">
+        <p14:creationId xmlns:p14="http://schemas.microsoft.com/office/powerpoint/2010/main" val="1661930946"/>
+      </p:ext>
+    </p:extLst>
+  </p:cSld>
+  <p:clrMapOvr>
+    <a:masterClrMapping/>
+  </p:clrMapOvr>
+</p:sld>
+</file>
+
+<file path=ppt/slides/slide13.xml><?xml version="1.0" encoding="utf-8"?>
+<p:sld xmlns:a="http://schemas.openxmlformats.org/drawingml/2006/main" xmlns:r="http://schemas.openxmlformats.org/officeDocument/2006/relationships" xmlns:p="http://schemas.openxmlformats.org/presentationml/2006/main">
+  <p:cSld>
+    <p:spTree>
+      <p:nvGrpSpPr>
+        <p:cNvPr id="1" name=""/>
+        <p:cNvGrpSpPr/>
+        <p:nvPr/>
+      </p:nvGrpSpPr>
+      <p:grpSpPr>
+        <a:xfrm>
+          <a:off x="0" y="0"/>
+          <a:ext cx="0" cy="0"/>
+          <a:chOff x="0" y="0"/>
+          <a:chExt cx="0" cy="0"/>
+        </a:xfrm>
+      </p:grpSpPr>
+      <p:sp>
+        <p:nvSpPr>
+          <p:cNvPr id="2" name="TextBox 1"/>
+          <p:cNvSpPr txBox="1"/>
+          <p:nvPr/>
+        </p:nvSpPr>
+        <p:spPr>
+          <a:xfrm>
+            <a:off x="978195" y="818707"/>
+            <a:ext cx="5355505" cy="4801314"/>
+          </a:xfrm>
+          <a:prstGeom prst="rect">
+            <a:avLst/>
+          </a:prstGeom>
+          <a:noFill/>
+        </p:spPr>
+        <p:txBody>
+          <a:bodyPr wrap="none" rtlCol="0">
+            <a:spAutoFit/>
+          </a:bodyPr>
+          <a:lstStyle/>
+          <a:p>
+            <a:r>
+              <a:rPr lang="en-US" b="1" dirty="0"/>
+              <a:t>import </a:t>
+            </a:r>
+            <a:r>
+              <a:rPr lang="en-US" b="1" dirty="0" err="1"/>
+              <a:t>PrintSystem</a:t>
+            </a:r>
+            <a:r>
+              <a:rPr lang="en-US" b="1" dirty="0"/>
+              <a:t>.*;</a:t>
+            </a:r>
+          </a:p>
+          <a:p>
+            <a:r>
+              <a:rPr lang="en-US" b="1" dirty="0"/>
+              <a:t>import </a:t>
+            </a:r>
+            <a:r>
+              <a:rPr lang="en-US" b="1" dirty="0" err="1"/>
+              <a:t>RobotDrive</a:t>
+            </a:r>
+            <a:r>
+              <a:rPr lang="en-US" b="1" dirty="0"/>
+              <a:t>.*;</a:t>
+            </a:r>
+          </a:p>
+          <a:p>
+            <a:endParaRPr lang="en-US" dirty="0"/>
+          </a:p>
+          <a:p>
+            <a:r>
+              <a:rPr lang="en-US" b="1" dirty="0"/>
+              <a:t>public class HelloWorld {</a:t>
+            </a:r>
+          </a:p>
+          <a:p>
+            <a:endParaRPr lang="en-US" dirty="0"/>
+          </a:p>
+          <a:p>
+            <a:r>
+              <a:rPr lang="en-US" b="1" dirty="0"/>
+              <a:t>private static String </a:t>
+            </a:r>
+            <a:r>
+              <a:rPr lang="en-US" b="1" i="1" u="sng" dirty="0"/>
+              <a:t>myLine1 = "Hello World";</a:t>
+            </a:r>
+          </a:p>
+          <a:p>
+            <a:endParaRPr lang="en-US" dirty="0"/>
+          </a:p>
+          <a:p>
+            <a:r>
+              <a:rPr lang="en-US" b="1" dirty="0"/>
+              <a:t>private static </a:t>
+            </a:r>
+            <a:r>
+              <a:rPr lang="en-US" b="1" dirty="0" err="1"/>
+              <a:t>PrintStuff</a:t>
+            </a:r>
+            <a:r>
+              <a:rPr lang="en-US" b="1" dirty="0"/>
+              <a:t> </a:t>
+            </a:r>
+            <a:r>
+              <a:rPr lang="en-US" b="1" i="1" u="sng" dirty="0" err="1"/>
+              <a:t>myPrint</a:t>
+            </a:r>
+            <a:r>
+              <a:rPr lang="en-US" b="1" i="1" u="sng" dirty="0"/>
+              <a:t> = new </a:t>
+            </a:r>
+            <a:r>
+              <a:rPr lang="en-US" b="1" i="1" u="sng" dirty="0" err="1"/>
+              <a:t>PrintStuff</a:t>
+            </a:r>
+            <a:r>
+              <a:rPr lang="en-US" b="1" i="1" u="sng" dirty="0"/>
+              <a:t>();</a:t>
+            </a:r>
+          </a:p>
+          <a:p>
+            <a:r>
+              <a:rPr lang="en-US" b="1" dirty="0"/>
+              <a:t>private static </a:t>
+            </a:r>
+            <a:r>
+              <a:rPr lang="en-US" b="1" dirty="0" err="1"/>
+              <a:t>PrintStuff</a:t>
+            </a:r>
+            <a:r>
+              <a:rPr lang="en-US" b="1" dirty="0"/>
+              <a:t> </a:t>
+            </a:r>
+            <a:r>
+              <a:rPr lang="en-US" b="1" i="1" u="sng" dirty="0" err="1"/>
+              <a:t>yourPrint</a:t>
+            </a:r>
+            <a:r>
+              <a:rPr lang="en-US" b="1" i="1" u="sng" dirty="0"/>
+              <a:t> = new </a:t>
+            </a:r>
+            <a:r>
+              <a:rPr lang="en-US" b="1" i="1" u="sng" dirty="0" err="1"/>
+              <a:t>PrintStuff</a:t>
+            </a:r>
+            <a:r>
+              <a:rPr lang="en-US" b="1" i="1" u="sng" dirty="0"/>
+              <a:t>();</a:t>
+            </a:r>
+          </a:p>
+          <a:p>
+            <a:r>
+              <a:rPr lang="en-US" b="1" dirty="0"/>
+              <a:t>private static Drive </a:t>
+            </a:r>
+            <a:r>
+              <a:rPr lang="en-US" b="1" i="1" dirty="0" err="1"/>
+              <a:t>myDrive</a:t>
+            </a:r>
+            <a:r>
+              <a:rPr lang="en-US" b="1" i="1" dirty="0"/>
+              <a:t> = new Drive();</a:t>
+            </a:r>
+          </a:p>
+          <a:p>
+            <a:endParaRPr lang="en-US" dirty="0"/>
+          </a:p>
+          <a:p>
+            <a:r>
+              <a:rPr lang="en-US" b="1" dirty="0"/>
+              <a:t>public static void main(String[] </a:t>
+            </a:r>
+            <a:r>
+              <a:rPr lang="en-US" b="1" dirty="0" err="1"/>
+              <a:t>args</a:t>
+            </a:r>
+            <a:r>
+              <a:rPr lang="en-US" b="1" dirty="0"/>
+              <a:t>) {</a:t>
+            </a:r>
+          </a:p>
+          <a:p>
+            <a:r>
+              <a:rPr lang="en-US" i="1" dirty="0" err="1"/>
+              <a:t>myDrive.moveDrive</a:t>
+            </a:r>
+            <a:r>
+              <a:rPr lang="en-US" i="1" dirty="0"/>
+              <a:t>();</a:t>
+            </a:r>
+          </a:p>
+          <a:p>
+            <a:endParaRPr lang="en-US" dirty="0"/>
+          </a:p>
+          <a:p>
+            <a:r>
+              <a:rPr lang="en-US" dirty="0"/>
+              <a:t>}</a:t>
+            </a:r>
+          </a:p>
+          <a:p>
+            <a:endParaRPr lang="en-US" dirty="0"/>
+          </a:p>
+          <a:p>
+            <a:r>
+              <a:rPr lang="en-US" dirty="0"/>
+              <a:t>}</a:t>
+            </a:r>
+            <a:endParaRPr lang="en-US" dirty="0"/>
+          </a:p>
+        </p:txBody>
+      </p:sp>
+    </p:spTree>
+    <p:extLst>
+      <p:ext uri="{BB962C8B-B14F-4D97-AF65-F5344CB8AC3E}">
+        <p14:creationId xmlns:p14="http://schemas.microsoft.com/office/powerpoint/2010/main" val="249598509"/>
+      </p:ext>
+    </p:extLst>
+  </p:cSld>
+  <p:clrMapOvr>
+    <a:masterClrMapping/>
+  </p:clrMapOvr>
+</p:sld>
+</file>
+
 <file path=ppt/slides/slide2.xml><?xml version="1.0" encoding="utf-8"?>
 <p:sld xmlns:a="http://schemas.openxmlformats.org/drawingml/2006/main" xmlns:r="http://schemas.openxmlformats.org/officeDocument/2006/relationships" xmlns:p="http://schemas.openxmlformats.org/presentationml/2006/main">
   <p:cSld>
